--- a/分布式事务.pptx
+++ b/分布式事务.pptx
@@ -230,7 +230,7 @@
           <a:p>
             <a:fld id="{7A220C89-F741-4A60-8725-24F669448BA8}" type="datetimeFigureOut">
               <a:rPr lang="zh-CN" altLang="en-US" smtClean="0"/>
-              <a:t>2018/9/2</a:t>
+              <a:t>2020/5/28</a:t>
             </a:fld>
             <a:endParaRPr lang="zh-CN" altLang="en-US"/>
           </a:p>
@@ -537,7 +537,7 @@
           <a:p>
             <a:fld id="{E13947ED-5EF2-47D5-99F5-5EE8E4B8CE26}" type="datetimeFigureOut">
               <a:rPr lang="zh-CN" altLang="en-US" smtClean="0"/>
-              <a:t>2018/9/2</a:t>
+              <a:t>2020/5/28</a:t>
             </a:fld>
             <a:endParaRPr lang="zh-CN" altLang="en-US"/>
           </a:p>
@@ -788,7 +788,7 @@
           <a:p>
             <a:fld id="{E13947ED-5EF2-47D5-99F5-5EE8E4B8CE26}" type="datetimeFigureOut">
               <a:rPr lang="zh-CN" altLang="en-US" smtClean="0"/>
-              <a:t>2018/9/2</a:t>
+              <a:t>2020/5/28</a:t>
             </a:fld>
             <a:endParaRPr lang="zh-CN" altLang="en-US"/>
           </a:p>
@@ -996,7 +996,7 @@
           <a:p>
             <a:fld id="{E13947ED-5EF2-47D5-99F5-5EE8E4B8CE26}" type="datetimeFigureOut">
               <a:rPr lang="zh-CN" altLang="en-US" smtClean="0"/>
-              <a:t>2018/9/2</a:t>
+              <a:t>2020/5/28</a:t>
             </a:fld>
             <a:endParaRPr lang="zh-CN" altLang="en-US"/>
           </a:p>
@@ -1194,7 +1194,7 @@
           <a:p>
             <a:fld id="{E13947ED-5EF2-47D5-99F5-5EE8E4B8CE26}" type="datetimeFigureOut">
               <a:rPr lang="zh-CN" altLang="en-US" smtClean="0"/>
-              <a:t>2018/9/2</a:t>
+              <a:t>2020/5/28</a:t>
             </a:fld>
             <a:endParaRPr lang="zh-CN" altLang="en-US"/>
           </a:p>
@@ -1469,7 +1469,7 @@
           <a:p>
             <a:fld id="{E13947ED-5EF2-47D5-99F5-5EE8E4B8CE26}" type="datetimeFigureOut">
               <a:rPr lang="zh-CN" altLang="en-US" smtClean="0"/>
-              <a:t>2018/9/2</a:t>
+              <a:t>2020/5/28</a:t>
             </a:fld>
             <a:endParaRPr lang="zh-CN" altLang="en-US"/>
           </a:p>
@@ -1734,7 +1734,7 @@
           <a:p>
             <a:fld id="{E13947ED-5EF2-47D5-99F5-5EE8E4B8CE26}" type="datetimeFigureOut">
               <a:rPr lang="zh-CN" altLang="en-US" smtClean="0"/>
-              <a:t>2018/9/2</a:t>
+              <a:t>2020/5/28</a:t>
             </a:fld>
             <a:endParaRPr lang="zh-CN" altLang="en-US"/>
           </a:p>
@@ -2146,7 +2146,7 @@
           <a:p>
             <a:fld id="{E13947ED-5EF2-47D5-99F5-5EE8E4B8CE26}" type="datetimeFigureOut">
               <a:rPr lang="zh-CN" altLang="en-US" smtClean="0"/>
-              <a:t>2018/9/2</a:t>
+              <a:t>2020/5/28</a:t>
             </a:fld>
             <a:endParaRPr lang="zh-CN" altLang="en-US"/>
           </a:p>
@@ -2287,7 +2287,7 @@
           <a:p>
             <a:fld id="{E13947ED-5EF2-47D5-99F5-5EE8E4B8CE26}" type="datetimeFigureOut">
               <a:rPr lang="zh-CN" altLang="en-US" smtClean="0"/>
-              <a:t>2018/9/2</a:t>
+              <a:t>2020/5/28</a:t>
             </a:fld>
             <a:endParaRPr lang="zh-CN" altLang="en-US"/>
           </a:p>
@@ -2400,7 +2400,7 @@
           <a:p>
             <a:fld id="{E13947ED-5EF2-47D5-99F5-5EE8E4B8CE26}" type="datetimeFigureOut">
               <a:rPr lang="zh-CN" altLang="en-US" smtClean="0"/>
-              <a:t>2018/9/2</a:t>
+              <a:t>2020/5/28</a:t>
             </a:fld>
             <a:endParaRPr lang="zh-CN" altLang="en-US"/>
           </a:p>
@@ -2711,7 +2711,7 @@
           <a:p>
             <a:fld id="{E13947ED-5EF2-47D5-99F5-5EE8E4B8CE26}" type="datetimeFigureOut">
               <a:rPr lang="zh-CN" altLang="en-US" smtClean="0"/>
-              <a:t>2018/9/2</a:t>
+              <a:t>2020/5/28</a:t>
             </a:fld>
             <a:endParaRPr lang="zh-CN" altLang="en-US"/>
           </a:p>
@@ -3002,7 +3002,7 @@
           <a:p>
             <a:fld id="{E13947ED-5EF2-47D5-99F5-5EE8E4B8CE26}" type="datetimeFigureOut">
               <a:rPr lang="zh-CN" altLang="en-US" smtClean="0"/>
-              <a:t>2018/9/2</a:t>
+              <a:t>2020/5/28</a:t>
             </a:fld>
             <a:endParaRPr lang="zh-CN" altLang="en-US"/>
           </a:p>
@@ -3243,7 +3243,7 @@
           <a:p>
             <a:fld id="{E13947ED-5EF2-47D5-99F5-5EE8E4B8CE26}" type="datetimeFigureOut">
               <a:rPr lang="zh-CN" altLang="en-US" smtClean="0"/>
-              <a:t>2018/9/2</a:t>
+              <a:t>2020/5/28</a:t>
             </a:fld>
             <a:endParaRPr lang="zh-CN" altLang="en-US"/>
           </a:p>
@@ -8341,7 +8341,7 @@
           <a:lstStyle/>
           <a:p>
             <a:r>
-              <a:rPr lang="zh-CN" altLang="en-US"/>
+              <a:rPr lang="zh-CN" altLang="en-US" dirty="0"/>
               <a:t>并发事务带来的问题</a:t>
             </a:r>
           </a:p>
@@ -8379,33 +8379,33 @@
               <a:buChar char="•"/>
             </a:pPr>
             <a:r>
-              <a:rPr lang="zh-CN" altLang="en-US" sz="1600" b="1"/>
+              <a:rPr lang="zh-CN" altLang="en-US" sz="1600" b="1" dirty="0"/>
               <a:t>脏读（</a:t>
             </a:r>
             <a:r>
-              <a:rPr lang="en-US" altLang="zh-CN" sz="1600" b="1"/>
+              <a:rPr lang="en-US" altLang="zh-CN" sz="1600" b="1" dirty="0"/>
               <a:t>Dirty read</a:t>
             </a:r>
             <a:r>
-              <a:rPr lang="zh-CN" altLang="en-US" sz="1600" b="1"/>
+              <a:rPr lang="zh-CN" altLang="en-US" sz="1600" b="1" dirty="0"/>
               <a:t>）</a:t>
             </a:r>
             <a:r>
-              <a:rPr lang="en-US" altLang="zh-CN" sz="1600" b="1"/>
+              <a:rPr lang="en-US" altLang="zh-CN" sz="1600" b="1" dirty="0"/>
               <a:t>:</a:t>
             </a:r>
             <a:r>
-              <a:rPr lang="zh-CN" altLang="en-US" sz="1600"/>
+              <a:rPr lang="zh-CN" altLang="en-US" sz="1600" dirty="0"/>
               <a:t> 当一个事务正在访问数据并且对数据进行了修改，而这种修改还没有提交到数据库中，这时另外一个事务也访问了这个数据，然后使用了这个数据。因为这个数据是还没有提交的数据，那么另外一个事务读到的这个数据是“脏数据”，依据“脏数据”所做的操作可能是不正确的。</a:t>
             </a:r>
-            <a:endParaRPr lang="en-US" altLang="zh-CN" sz="1600"/>
+            <a:endParaRPr lang="en-US" altLang="zh-CN" sz="1600" dirty="0"/>
           </a:p>
           <a:p>
             <a:pPr>
               <a:buFont typeface="Arial" panose="020B0604020202020204" pitchFamily="34" charset="0"/>
               <a:buChar char="•"/>
             </a:pPr>
-            <a:endParaRPr lang="zh-CN" altLang="en-US" sz="1600"/>
+            <a:endParaRPr lang="zh-CN" altLang="en-US" sz="1600" dirty="0"/>
           </a:p>
           <a:p>
             <a:pPr>
@@ -8413,23 +8413,23 @@
               <a:buChar char="•"/>
             </a:pPr>
             <a:r>
-              <a:rPr lang="zh-CN" altLang="en-US" sz="1600" b="1"/>
+              <a:rPr lang="zh-CN" altLang="en-US" sz="1600" b="1" dirty="0"/>
               <a:t>丢失修改（</a:t>
             </a:r>
             <a:r>
-              <a:rPr lang="en-US" altLang="zh-CN" sz="1600" b="1"/>
+              <a:rPr lang="en-US" altLang="zh-CN" sz="1600" b="1" dirty="0"/>
               <a:t>Lost to modify</a:t>
             </a:r>
             <a:r>
-              <a:rPr lang="zh-CN" altLang="en-US" sz="1600" b="1"/>
+              <a:rPr lang="zh-CN" altLang="en-US" sz="1600" b="1" dirty="0"/>
               <a:t>）</a:t>
             </a:r>
             <a:r>
-              <a:rPr lang="en-US" altLang="zh-CN" sz="1600" b="1"/>
+              <a:rPr lang="en-US" altLang="zh-CN" sz="1600" b="1" dirty="0"/>
               <a:t>:</a:t>
             </a:r>
             <a:r>
-              <a:rPr lang="zh-CN" altLang="en-US" sz="1600"/>
+              <a:rPr lang="zh-CN" altLang="en-US" sz="1600" dirty="0"/>
               <a:t> 指在一个事务读取一个数据时，另外一个事务也访问了该数据，那么在第一个事务中修改了这个数据后，第二个事务也修改了这个数据。这样第一个事务内的修改结果就被丢失，因此称为丢失修改。</a:t>
             </a:r>
           </a:p>
@@ -8439,87 +8439,87 @@
               <a:buChar char="•"/>
             </a:pPr>
             <a:r>
-              <a:rPr lang="zh-CN" altLang="en-US" sz="1600"/>
+              <a:rPr lang="zh-CN" altLang="en-US" sz="1600" dirty="0"/>
               <a:t>例如：事务</a:t>
             </a:r>
             <a:r>
-              <a:rPr lang="en-US" altLang="zh-CN" sz="1600"/>
+              <a:rPr lang="en-US" altLang="zh-CN" sz="1600" dirty="0"/>
               <a:t>1</a:t>
             </a:r>
             <a:r>
-              <a:rPr lang="zh-CN" altLang="en-US" sz="1600"/>
+              <a:rPr lang="zh-CN" altLang="en-US" sz="1600" dirty="0"/>
               <a:t>读取某表中的数据</a:t>
             </a:r>
             <a:r>
-              <a:rPr lang="en-US" altLang="zh-CN" sz="1600"/>
+              <a:rPr lang="en-US" altLang="zh-CN" sz="1600" dirty="0"/>
               <a:t>A=20</a:t>
             </a:r>
             <a:r>
-              <a:rPr lang="zh-CN" altLang="en-US" sz="1600"/>
+              <a:rPr lang="zh-CN" altLang="en-US" sz="1600" dirty="0"/>
               <a:t>，事务</a:t>
             </a:r>
             <a:r>
-              <a:rPr lang="en-US" altLang="zh-CN" sz="1600"/>
+              <a:rPr lang="en-US" altLang="zh-CN" sz="1600" dirty="0"/>
               <a:t>2</a:t>
             </a:r>
             <a:r>
-              <a:rPr lang="zh-CN" altLang="en-US" sz="1600"/>
+              <a:rPr lang="zh-CN" altLang="en-US" sz="1600" dirty="0"/>
               <a:t>也读取</a:t>
             </a:r>
             <a:r>
-              <a:rPr lang="en-US" altLang="zh-CN" sz="1600"/>
+              <a:rPr lang="en-US" altLang="zh-CN" sz="1600" dirty="0"/>
               <a:t>A=20</a:t>
             </a:r>
             <a:r>
-              <a:rPr lang="zh-CN" altLang="en-US" sz="1600"/>
+              <a:rPr lang="zh-CN" altLang="en-US" sz="1600" dirty="0"/>
               <a:t>，事务</a:t>
             </a:r>
             <a:r>
-              <a:rPr lang="en-US" altLang="zh-CN" sz="1600"/>
+              <a:rPr lang="en-US" altLang="zh-CN" sz="1600" dirty="0"/>
               <a:t>1</a:t>
             </a:r>
             <a:r>
-              <a:rPr lang="zh-CN" altLang="en-US" sz="1600"/>
+              <a:rPr lang="zh-CN" altLang="en-US" sz="1600" dirty="0"/>
               <a:t>修改</a:t>
             </a:r>
             <a:r>
-              <a:rPr lang="en-US" altLang="zh-CN" sz="1600"/>
+              <a:rPr lang="en-US" altLang="zh-CN" sz="1600" dirty="0"/>
               <a:t>A=A-1</a:t>
             </a:r>
             <a:r>
-              <a:rPr lang="zh-CN" altLang="en-US" sz="1600"/>
+              <a:rPr lang="zh-CN" altLang="en-US" sz="1600" dirty="0"/>
               <a:t>，事务</a:t>
             </a:r>
             <a:r>
-              <a:rPr lang="en-US" altLang="zh-CN" sz="1600"/>
+              <a:rPr lang="en-US" altLang="zh-CN" sz="1600" dirty="0"/>
               <a:t>2</a:t>
             </a:r>
             <a:r>
-              <a:rPr lang="zh-CN" altLang="en-US" sz="1600"/>
+              <a:rPr lang="zh-CN" altLang="en-US" sz="1600" dirty="0"/>
               <a:t>也修改</a:t>
             </a:r>
             <a:r>
-              <a:rPr lang="en-US" altLang="zh-CN" sz="1600"/>
+              <a:rPr lang="en-US" altLang="zh-CN" sz="1600" dirty="0"/>
               <a:t>A=A-1</a:t>
             </a:r>
             <a:r>
-              <a:rPr lang="zh-CN" altLang="en-US" sz="1600"/>
+              <a:rPr lang="zh-CN" altLang="en-US" sz="1600" dirty="0"/>
               <a:t>，最终结果</a:t>
             </a:r>
             <a:r>
-              <a:rPr lang="en-US" altLang="zh-CN" sz="1600"/>
+              <a:rPr lang="en-US" altLang="zh-CN" sz="1600" dirty="0"/>
               <a:t>A=19</a:t>
             </a:r>
             <a:r>
-              <a:rPr lang="zh-CN" altLang="en-US" sz="1600"/>
+              <a:rPr lang="zh-CN" altLang="en-US" sz="1600" dirty="0"/>
               <a:t>，事务</a:t>
             </a:r>
             <a:r>
-              <a:rPr lang="en-US" altLang="zh-CN" sz="1600"/>
+              <a:rPr lang="en-US" altLang="zh-CN" sz="1600" dirty="0"/>
               <a:t>1</a:t>
             </a:r>
             <a:r>
-              <a:rPr lang="zh-CN" altLang="en-US" sz="1600"/>
+              <a:rPr lang="zh-CN" altLang="en-US" sz="1600" dirty="0"/>
               <a:t>的修改被丢失。</a:t>
             </a:r>
           </a:p>
@@ -8528,7 +8528,7 @@
               <a:buFont typeface="Arial" panose="020B0604020202020204" pitchFamily="34" charset="0"/>
               <a:buChar char="•"/>
             </a:pPr>
-            <a:endParaRPr lang="en-US" altLang="zh-CN" sz="1600" b="1"/>
+            <a:endParaRPr lang="en-US" altLang="zh-CN" sz="1600" b="1" dirty="0"/>
           </a:p>
           <a:p>
             <a:pPr>
@@ -8536,23 +8536,23 @@
               <a:buChar char="•"/>
             </a:pPr>
             <a:r>
-              <a:rPr lang="zh-CN" altLang="en-US" sz="1600" b="1"/>
+              <a:rPr lang="zh-CN" altLang="en-US" sz="1600" b="1" dirty="0"/>
               <a:t>不可重复读（</a:t>
             </a:r>
             <a:r>
-              <a:rPr lang="en-US" altLang="zh-CN" sz="1600" b="1"/>
+              <a:rPr lang="en-US" altLang="zh-CN" sz="1600" b="1" dirty="0" err="1"/>
               <a:t>Unrepeatableread</a:t>
             </a:r>
             <a:r>
-              <a:rPr lang="zh-CN" altLang="en-US" sz="1600" b="1"/>
+              <a:rPr lang="zh-CN" altLang="en-US" sz="1600" b="1" dirty="0"/>
               <a:t>）</a:t>
             </a:r>
             <a:r>
-              <a:rPr lang="en-US" altLang="zh-CN" sz="1600" b="1"/>
+              <a:rPr lang="en-US" altLang="zh-CN" sz="1600" b="1" dirty="0"/>
               <a:t>:</a:t>
             </a:r>
             <a:r>
-              <a:rPr lang="zh-CN" altLang="en-US" sz="1600"/>
+              <a:rPr lang="zh-CN" altLang="en-US" sz="1600" dirty="0"/>
               <a:t> 指在一个事务内多次读同一数据。在这个事务还没有结束时，另一个事务也访问该数据。那么，在第一个事务中的两次读数据之间，由于第二个事务的修改导致第一个事务两次读取的数据可能不太一样。这就发生了在一个事务内两次读到的数据是不一样的情况，因此称为不可重复读。</a:t>
             </a:r>
           </a:p>
@@ -8561,7 +8561,7 @@
               <a:buFont typeface="Arial" panose="020B0604020202020204" pitchFamily="34" charset="0"/>
               <a:buChar char="•"/>
             </a:pPr>
-            <a:endParaRPr lang="en-US" altLang="zh-CN" sz="1600" b="1"/>
+            <a:endParaRPr lang="en-US" altLang="zh-CN" sz="1600" b="1" dirty="0"/>
           </a:p>
           <a:p>
             <a:pPr>
@@ -8569,56 +8569,56 @@
               <a:buChar char="•"/>
             </a:pPr>
             <a:r>
-              <a:rPr lang="zh-CN" altLang="en-US" sz="1600" b="1"/>
+              <a:rPr lang="zh-CN" altLang="en-US" sz="1600" b="1" dirty="0"/>
               <a:t>幻读（</a:t>
             </a:r>
             <a:r>
-              <a:rPr lang="en-US" altLang="zh-CN" sz="1600" b="1"/>
+              <a:rPr lang="en-US" altLang="zh-CN" sz="1600" b="1" dirty="0"/>
               <a:t>Phantom read</a:t>
             </a:r>
             <a:r>
-              <a:rPr lang="zh-CN" altLang="en-US" sz="1600" b="1"/>
+              <a:rPr lang="zh-CN" altLang="en-US" sz="1600" b="1" dirty="0"/>
               <a:t>）</a:t>
             </a:r>
             <a:r>
-              <a:rPr lang="en-US" altLang="zh-CN" sz="1600" b="1"/>
+              <a:rPr lang="en-US" altLang="zh-CN" sz="1600" b="1" dirty="0"/>
               <a:t>:</a:t>
             </a:r>
             <a:r>
-              <a:rPr lang="zh-CN" altLang="en-US" sz="1600"/>
+              <a:rPr lang="zh-CN" altLang="en-US" sz="1600" dirty="0"/>
               <a:t> 幻读与不可重复读类似。它发生在一个事务（</a:t>
             </a:r>
             <a:r>
-              <a:rPr lang="en-US" altLang="zh-CN" sz="1600"/>
+              <a:rPr lang="en-US" altLang="zh-CN" sz="1600" dirty="0"/>
               <a:t>T1</a:t>
             </a:r>
             <a:r>
-              <a:rPr lang="zh-CN" altLang="en-US" sz="1600"/>
+              <a:rPr lang="zh-CN" altLang="en-US" sz="1600" dirty="0"/>
               <a:t>）读取了几行数据，接着另一个并发事务（</a:t>
             </a:r>
             <a:r>
-              <a:rPr lang="en-US" altLang="zh-CN" sz="1600"/>
+              <a:rPr lang="en-US" altLang="zh-CN" sz="1600" dirty="0"/>
               <a:t>T2</a:t>
             </a:r>
             <a:r>
-              <a:rPr lang="zh-CN" altLang="en-US" sz="1600"/>
+              <a:rPr lang="zh-CN" altLang="en-US" sz="1600" dirty="0"/>
               <a:t>）插入了一些数据时。在随后的查询中，第一个事务（</a:t>
             </a:r>
             <a:r>
-              <a:rPr lang="en-US" altLang="zh-CN" sz="1600"/>
+              <a:rPr lang="en-US" altLang="zh-CN" sz="1600" dirty="0"/>
               <a:t>T1</a:t>
             </a:r>
             <a:r>
-              <a:rPr lang="zh-CN" altLang="en-US" sz="1600"/>
+              <a:rPr lang="zh-CN" altLang="en-US" sz="1600" dirty="0"/>
               <a:t>）就会发现多了一些原本不存在的记录，就好像发生了幻觉一样，所以称为幻读。</a:t>
             </a:r>
           </a:p>
           <a:p>
-            <a:endParaRPr lang="en-US" altLang="zh-CN" sz="1600" b="1"/>
-          </a:p>
-          <a:p>
-            <a:r>
-              <a:rPr lang="zh-CN" altLang="en-US" sz="1600" b="1">
+            <a:endParaRPr lang="en-US" altLang="zh-CN" sz="1600" b="1" dirty="0"/>
+          </a:p>
+          <a:p>
+            <a:r>
+              <a:rPr lang="zh-CN" altLang="en-US" sz="1600" b="1" dirty="0">
                 <a:solidFill>
                   <a:srgbClr val="FF0000"/>
                 </a:solidFill>
@@ -8626,14 +8626,14 @@
               <a:t>不可重复度和幻读区别</a:t>
             </a:r>
             <a:r>
-              <a:rPr lang="zh-CN" altLang="en-US" sz="1600" b="1"/>
+              <a:rPr lang="zh-CN" altLang="en-US" sz="1600" b="1" dirty="0"/>
               <a:t>：</a:t>
             </a:r>
-            <a:endParaRPr lang="zh-CN" altLang="en-US" sz="1600"/>
-          </a:p>
-          <a:p>
-            <a:r>
-              <a:rPr lang="zh-CN" altLang="en-US" sz="1600"/>
+            <a:endParaRPr lang="zh-CN" altLang="en-US" sz="1600" dirty="0"/>
+          </a:p>
+          <a:p>
+            <a:r>
+              <a:rPr lang="zh-CN" altLang="en-US" sz="1600" dirty="0"/>
               <a:t>不可重复读的重点是修改，幻读的重点在于新增或者删除。</a:t>
             </a:r>
           </a:p>
@@ -13201,18 +13201,18 @@
           <a:lstStyle/>
           <a:p>
             <a:r>
-              <a:rPr lang="en-US" altLang="zh-CN" sz="2800">
+              <a:rPr lang="en-US" altLang="zh-CN" sz="2800" dirty="0">
                 <a:latin typeface="宋体" panose="02010600030101010101" pitchFamily="2" charset="-122"/>
                 <a:ea typeface="宋体" panose="02010600030101010101" pitchFamily="2" charset="-122"/>
               </a:rPr>
               <a:t>CAP(</a:t>
             </a:r>
             <a:r>
-              <a:rPr lang="en-US" altLang="zh-CN" sz="2800"/>
+              <a:rPr lang="en-US" altLang="zh-CN" sz="2800" dirty="0"/>
               <a:t>CAP theorem/</a:t>
             </a:r>
             <a:r>
-              <a:rPr lang="zh-CN" altLang="en-US" sz="2800">
+              <a:rPr lang="zh-CN" altLang="en-US" sz="2800" dirty="0">
                 <a:solidFill>
                   <a:srgbClr val="222222"/>
                 </a:solidFill>
@@ -13222,13 +13222,13 @@
               <a:t>布鲁尔定理</a:t>
             </a:r>
             <a:r>
-              <a:rPr lang="en-US" altLang="zh-CN" sz="2800">
+              <a:rPr lang="en-US" altLang="zh-CN" sz="2800" dirty="0">
                 <a:latin typeface="宋体" panose="02010600030101010101" pitchFamily="2" charset="-122"/>
                 <a:ea typeface="宋体" panose="02010600030101010101" pitchFamily="2" charset="-122"/>
               </a:rPr>
               <a:t>Brewer's theorem)</a:t>
             </a:r>
-            <a:endParaRPr lang="zh-CN" altLang="en-US" sz="2800">
+            <a:endParaRPr lang="zh-CN" altLang="en-US" sz="2800" dirty="0">
               <a:latin typeface="宋体" panose="02010600030101010101" pitchFamily="2" charset="-122"/>
               <a:ea typeface="宋体" panose="02010600030101010101" pitchFamily="2" charset="-122"/>
             </a:endParaRPr>
@@ -13297,14 +13297,14 @@
           <a:lstStyle/>
           <a:p>
             <a:r>
-              <a:rPr lang="zh-CN" altLang="en-US"/>
+              <a:rPr lang="zh-CN" altLang="en-US" dirty="0"/>
               <a:t>一致性</a:t>
             </a:r>
             <a:r>
-              <a:rPr lang="en-US" altLang="zh-CN"/>
+              <a:rPr lang="en-US" altLang="zh-CN" dirty="0"/>
               <a:t>(Consistency)</a:t>
             </a:r>
-            <a:endParaRPr lang="zh-CN" altLang="en-US"/>
+            <a:endParaRPr lang="zh-CN" altLang="en-US" dirty="0"/>
           </a:p>
         </p:txBody>
       </p:sp>
@@ -13336,7 +13336,7 @@
           <a:lstStyle/>
           <a:p>
             <a:r>
-              <a:rPr lang="zh-CN" altLang="en-US"/>
+              <a:rPr lang="zh-CN" altLang="en-US" dirty="0"/>
               <a:t>所有节点访问同一份最新的数据副本</a:t>
             </a:r>
           </a:p>
@@ -13370,15 +13370,15 @@
           <a:lstStyle/>
           <a:p>
             <a:r>
-              <a:rPr lang="zh-CN" altLang="en-US"/>
+              <a:rPr lang="zh-CN" altLang="en-US" dirty="0"/>
               <a:t>可用性（</a:t>
             </a:r>
             <a:r>
-              <a:rPr lang="en-US" altLang="zh-CN"/>
+              <a:rPr lang="en-US" altLang="zh-CN" dirty="0"/>
               <a:t>Availability</a:t>
             </a:r>
             <a:r>
-              <a:rPr lang="zh-CN" altLang="en-US"/>
+              <a:rPr lang="zh-CN" altLang="en-US" dirty="0"/>
               <a:t>）</a:t>
             </a:r>
           </a:p>
@@ -13470,7 +13470,7 @@
           <a:lstStyle/>
           <a:p>
             <a:r>
-              <a:rPr lang="zh-CN" altLang="en-US">
+              <a:rPr lang="zh-CN" altLang="en-US" dirty="0">
                 <a:solidFill>
                   <a:srgbClr val="FF0000"/>
                 </a:solidFill>
@@ -13478,7 +13478,7 @@
               <a:t>分区容错性（</a:t>
             </a:r>
             <a:r>
-              <a:rPr lang="en-US" altLang="zh-CN">
+              <a:rPr lang="en-US" altLang="zh-CN" dirty="0">
                 <a:solidFill>
                   <a:srgbClr val="FF0000"/>
                 </a:solidFill>
@@ -13486,7 +13486,7 @@
               <a:t>Partition tolerance</a:t>
             </a:r>
             <a:r>
-              <a:rPr lang="zh-CN" altLang="en-US">
+              <a:rPr lang="zh-CN" altLang="en-US" dirty="0">
                 <a:solidFill>
                   <a:srgbClr val="FF0000"/>
                 </a:solidFill>
@@ -13664,7 +13664,7 @@
           <a:lstStyle/>
           <a:p>
             <a:r>
-              <a:rPr lang="zh-CN" altLang="en-US"/>
+              <a:rPr lang="zh-CN" altLang="en-US" dirty="0"/>
               <a:t>网络中即使出现单个组件无法可用，操作依然可以完成</a:t>
             </a:r>
           </a:p>
@@ -13913,11 +13913,11 @@
           <a:lstStyle/>
           <a:p>
             <a:r>
-              <a:rPr lang="en-US" altLang="zh-CN" sz="2800"/>
+              <a:rPr lang="en-US" altLang="zh-CN" sz="2800" dirty="0"/>
               <a:t>RAFT——</a:t>
             </a:r>
             <a:r>
-              <a:rPr lang="zh-CN" altLang="en-US" sz="2800"/>
+              <a:rPr lang="zh-CN" altLang="en-US" sz="2800" dirty="0"/>
               <a:t>选举</a:t>
             </a:r>
           </a:p>
@@ -13985,7 +13985,7 @@
           <a:lstStyle/>
           <a:p>
             <a:r>
-              <a:rPr lang="zh-CN" altLang="en-US">
+              <a:rPr lang="zh-CN" altLang="en-US" dirty="0">
                 <a:solidFill>
                   <a:srgbClr val="333333"/>
                 </a:solidFill>
@@ -13994,7 +13994,7 @@
               <a:t>在极简的思维下，一个最小的 </a:t>
             </a:r>
             <a:r>
-              <a:rPr lang="en-US" altLang="zh-CN">
+              <a:rPr lang="en-US" altLang="zh-CN" dirty="0">
                 <a:solidFill>
                   <a:srgbClr val="333333"/>
                 </a:solidFill>
@@ -14003,7 +14003,7 @@
               <a:t>Raft </a:t>
             </a:r>
             <a:r>
-              <a:rPr lang="zh-CN" altLang="en-US">
+              <a:rPr lang="zh-CN" altLang="en-US" dirty="0">
                 <a:solidFill>
                   <a:srgbClr val="333333"/>
                 </a:solidFill>
@@ -14012,7 +14012,7 @@
               <a:t>民主集群需要三个参与者（如下图：</a:t>
             </a:r>
             <a:r>
-              <a:rPr lang="en-US" altLang="zh-CN">
+              <a:rPr lang="en-US" altLang="zh-CN" dirty="0">
                 <a:solidFill>
                   <a:srgbClr val="333333"/>
                 </a:solidFill>
@@ -14021,7 +14021,7 @@
               <a:t>A</a:t>
             </a:r>
             <a:r>
-              <a:rPr lang="zh-CN" altLang="en-US">
+              <a:rPr lang="zh-CN" altLang="en-US" dirty="0">
                 <a:solidFill>
                   <a:srgbClr val="333333"/>
                 </a:solidFill>
@@ -14030,7 +14030,7 @@
               <a:t>、</a:t>
             </a:r>
             <a:r>
-              <a:rPr lang="en-US" altLang="zh-CN">
+              <a:rPr lang="en-US" altLang="zh-CN" dirty="0">
                 <a:solidFill>
                   <a:srgbClr val="333333"/>
                 </a:solidFill>
@@ -14039,7 +14039,7 @@
               <a:t>B</a:t>
             </a:r>
             <a:r>
-              <a:rPr lang="zh-CN" altLang="en-US">
+              <a:rPr lang="zh-CN" altLang="en-US" dirty="0">
                 <a:solidFill>
                   <a:srgbClr val="333333"/>
                 </a:solidFill>
@@ -14048,7 +14048,7 @@
               <a:t>、</a:t>
             </a:r>
             <a:r>
-              <a:rPr lang="en-US" altLang="zh-CN">
+              <a:rPr lang="en-US" altLang="zh-CN" dirty="0">
                 <a:solidFill>
                   <a:srgbClr val="333333"/>
                 </a:solidFill>
@@ -14057,7 +14057,7 @@
               <a:t>C</a:t>
             </a:r>
             <a:r>
-              <a:rPr lang="zh-CN" altLang="en-US">
+              <a:rPr lang="zh-CN" altLang="en-US" dirty="0">
                 <a:solidFill>
                   <a:srgbClr val="333333"/>
                 </a:solidFill>
@@ -14066,7 +14066,7 @@
               <a:t>），这样才可能投出多数票。初始状态 </a:t>
             </a:r>
             <a:r>
-              <a:rPr lang="en-US" altLang="zh-CN">
+              <a:rPr lang="en-US" altLang="zh-CN" dirty="0">
                 <a:solidFill>
                   <a:srgbClr val="333333"/>
                 </a:solidFill>
@@ -14075,7 +14075,7 @@
               <a:t>ABC </a:t>
             </a:r>
             <a:r>
-              <a:rPr lang="zh-CN" altLang="en-US">
+              <a:rPr lang="zh-CN" altLang="en-US" dirty="0">
                 <a:solidFill>
                   <a:srgbClr val="333333"/>
                 </a:solidFill>
@@ -14084,7 +14084,7 @@
               <a:t>都是 </a:t>
             </a:r>
             <a:r>
-              <a:rPr lang="en-US" altLang="zh-CN">
+              <a:rPr lang="en-US" altLang="zh-CN" dirty="0">
                 <a:solidFill>
                   <a:srgbClr val="333333"/>
                 </a:solidFill>
@@ -14093,7 +14093,7 @@
               <a:t>Follower</a:t>
             </a:r>
             <a:r>
-              <a:rPr lang="zh-CN" altLang="en-US">
+              <a:rPr lang="zh-CN" altLang="en-US" dirty="0">
                 <a:solidFill>
                   <a:srgbClr val="333333"/>
                 </a:solidFill>
@@ -14102,7 +14102,7 @@
               <a:t>，然后发起选举这时有三种可能情形发生。下图中前二种都能选出 </a:t>
             </a:r>
             <a:r>
-              <a:rPr lang="en-US" altLang="zh-CN">
+              <a:rPr lang="en-US" altLang="zh-CN" dirty="0">
                 <a:solidFill>
                   <a:srgbClr val="333333"/>
                 </a:solidFill>
@@ -14111,7 +14111,7 @@
               <a:t>Leader</a:t>
             </a:r>
             <a:r>
-              <a:rPr lang="zh-CN" altLang="en-US">
+              <a:rPr lang="zh-CN" altLang="en-US" dirty="0">
                 <a:solidFill>
                   <a:srgbClr val="333333"/>
                 </a:solidFill>
@@ -14120,7 +14120,7 @@
               <a:t>，第三种则表明本轮投票无效（</a:t>
             </a:r>
             <a:r>
-              <a:rPr lang="en-US" altLang="zh-CN">
+              <a:rPr lang="en-US" altLang="zh-CN" dirty="0">
                 <a:solidFill>
                   <a:srgbClr val="333333"/>
                 </a:solidFill>
@@ -14129,7 +14129,7 @@
               <a:t>Split Votes</a:t>
             </a:r>
             <a:r>
-              <a:rPr lang="zh-CN" altLang="en-US">
+              <a:rPr lang="zh-CN" altLang="en-US" dirty="0">
                 <a:solidFill>
                   <a:srgbClr val="333333"/>
                 </a:solidFill>
@@ -14138,7 +14138,7 @@
               <a:t>），每方都投给了自己，结果没有任何一方获得多数票。之后每个参与方随机休息一阵（</a:t>
             </a:r>
             <a:r>
-              <a:rPr lang="en-US" altLang="zh-CN">
+              <a:rPr lang="en-US" altLang="zh-CN" dirty="0">
                 <a:solidFill>
                   <a:srgbClr val="333333"/>
                 </a:solidFill>
@@ -14147,7 +14147,7 @@
               <a:t>Election Timeout</a:t>
             </a:r>
             <a:r>
-              <a:rPr lang="zh-CN" altLang="en-US">
+              <a:rPr lang="zh-CN" altLang="en-US" dirty="0">
                 <a:solidFill>
                   <a:srgbClr val="333333"/>
                 </a:solidFill>
@@ -14156,7 +14156,7 @@
               <a:t>）重新发起投票直到一方获得多数票。这里的关键就是随机 </a:t>
             </a:r>
             <a:r>
-              <a:rPr lang="en-US" altLang="zh-CN">
+              <a:rPr lang="en-US" altLang="zh-CN" dirty="0">
                 <a:solidFill>
                   <a:srgbClr val="FF0000"/>
                 </a:solidFill>
@@ -14165,7 +14165,7 @@
               <a:t>timeout</a:t>
             </a:r>
             <a:r>
-              <a:rPr lang="zh-CN" altLang="en-US">
+              <a:rPr lang="zh-CN" altLang="en-US" dirty="0">
                 <a:solidFill>
                   <a:srgbClr val="333333"/>
                 </a:solidFill>
@@ -14174,7 +14174,7 @@
               <a:t>，最先从 </a:t>
             </a:r>
             <a:r>
-              <a:rPr lang="en-US" altLang="zh-CN">
+              <a:rPr lang="en-US" altLang="zh-CN" dirty="0">
                 <a:solidFill>
                   <a:srgbClr val="333333"/>
                 </a:solidFill>
@@ -14183,7 +14183,7 @@
               <a:t>timeout </a:t>
             </a:r>
             <a:r>
-              <a:rPr lang="zh-CN" altLang="en-US">
+              <a:rPr lang="zh-CN" altLang="en-US" dirty="0">
                 <a:solidFill>
                   <a:srgbClr val="333333"/>
                 </a:solidFill>
@@ -14192,7 +14192,7 @@
               <a:t>中恢复发起投票的一方向还在 </a:t>
             </a:r>
             <a:r>
-              <a:rPr lang="en-US" altLang="zh-CN">
+              <a:rPr lang="en-US" altLang="zh-CN" dirty="0">
                 <a:solidFill>
                   <a:srgbClr val="FF0000"/>
                 </a:solidFill>
@@ -14201,7 +14201,7 @@
               <a:t>timeout</a:t>
             </a:r>
             <a:r>
-              <a:rPr lang="en-US" altLang="zh-CN">
+              <a:rPr lang="en-US" altLang="zh-CN" dirty="0">
                 <a:solidFill>
                   <a:srgbClr val="333333"/>
                 </a:solidFill>
@@ -14210,7 +14210,7 @@
               <a:t> </a:t>
             </a:r>
             <a:r>
-              <a:rPr lang="zh-CN" altLang="en-US">
+              <a:rPr lang="zh-CN" altLang="en-US" dirty="0">
                 <a:solidFill>
                   <a:srgbClr val="333333"/>
                 </a:solidFill>
@@ -14218,7 +14218,7 @@
               </a:rPr>
               <a:t>中的另外两方请求投票，这时它们就只能投给对方了，很快达成一致。</a:t>
             </a:r>
-            <a:endParaRPr lang="zh-CN" altLang="en-US"/>
+            <a:endParaRPr lang="zh-CN" altLang="en-US" dirty="0"/>
           </a:p>
         </p:txBody>
       </p:sp>
@@ -14556,14 +14556,14 @@
           <a:lstStyle/>
           <a:p>
             <a:r>
-              <a:rPr lang="en-US" altLang="zh-CN" sz="2800"/>
+              <a:rPr lang="en-US" altLang="zh-CN" sz="2800" dirty="0"/>
               <a:t>ACID </a:t>
             </a:r>
             <a:r>
-              <a:rPr lang="zh-CN" altLang="en-US" sz="1400"/>
+              <a:rPr lang="zh-CN" altLang="en-US" sz="1400" dirty="0"/>
               <a:t>注重一致性，是数据库的传统设计思路</a:t>
             </a:r>
-            <a:endParaRPr lang="zh-CN" altLang="en-US" sz="2800"/>
+            <a:endParaRPr lang="zh-CN" altLang="en-US" sz="2800" dirty="0"/>
           </a:p>
         </p:txBody>
       </p:sp>
@@ -14595,7 +14595,7 @@
           <a:lstStyle/>
           <a:p>
             <a:r>
-              <a:rPr lang="zh-CN" altLang="en-US">
+              <a:rPr lang="zh-CN" altLang="en-US" dirty="0">
                 <a:solidFill>
                   <a:srgbClr val="222222"/>
                 </a:solidFill>
@@ -14604,7 +14604,7 @@
               <a:t>原子性</a:t>
             </a:r>
             <a:r>
-              <a:rPr lang="en-US" altLang="zh-CN">
+              <a:rPr lang="en-US" altLang="zh-CN" dirty="0">
                 <a:solidFill>
                   <a:srgbClr val="222222"/>
                 </a:solidFill>
@@ -14612,7 +14612,7 @@
               </a:rPr>
               <a:t>(Atomicity)</a:t>
             </a:r>
-            <a:endParaRPr lang="zh-CN" altLang="en-US">
+            <a:endParaRPr lang="zh-CN" altLang="en-US" dirty="0">
               <a:solidFill>
                 <a:srgbClr val="222222"/>
               </a:solidFill>
@@ -14649,14 +14649,14 @@
           <a:lstStyle/>
           <a:p>
             <a:r>
-              <a:rPr lang="zh-CN" altLang="en-US"/>
+              <a:rPr lang="zh-CN" altLang="en-US" dirty="0"/>
               <a:t>一致性</a:t>
             </a:r>
             <a:r>
-              <a:rPr lang="en-US" altLang="zh-CN"/>
+              <a:rPr lang="en-US" altLang="zh-CN" dirty="0"/>
               <a:t>(Consistency)</a:t>
             </a:r>
-            <a:endParaRPr lang="zh-CN" altLang="en-US"/>
+            <a:endParaRPr lang="zh-CN" altLang="en-US" dirty="0"/>
           </a:p>
         </p:txBody>
       </p:sp>
@@ -14889,14 +14889,14 @@
           <a:lstStyle/>
           <a:p>
             <a:r>
-              <a:rPr lang="zh-CN" altLang="en-US"/>
+              <a:rPr lang="zh-CN" altLang="en-US" dirty="0"/>
               <a:t>隔离性</a:t>
             </a:r>
             <a:r>
-              <a:rPr lang="en-US" altLang="zh-CN"/>
+              <a:rPr lang="en-US" altLang="zh-CN" dirty="0"/>
               <a:t>(Isolation)</a:t>
             </a:r>
-            <a:endParaRPr lang="zh-CN" altLang="en-US"/>
+            <a:endParaRPr lang="zh-CN" altLang="en-US" dirty="0"/>
           </a:p>
         </p:txBody>
       </p:sp>
@@ -14928,14 +14928,14 @@
           <a:lstStyle/>
           <a:p>
             <a:r>
-              <a:rPr lang="zh-CN" altLang="en-US"/>
+              <a:rPr lang="zh-CN" altLang="en-US" dirty="0"/>
               <a:t>持久性</a:t>
             </a:r>
             <a:r>
-              <a:rPr lang="en-US" altLang="zh-CN"/>
+              <a:rPr lang="en-US" altLang="zh-CN" dirty="0"/>
               <a:t>(Durability)</a:t>
             </a:r>
-            <a:endParaRPr lang="zh-CN" altLang="en-US"/>
+            <a:endParaRPr lang="zh-CN" altLang="en-US" dirty="0"/>
           </a:p>
         </p:txBody>
       </p:sp>
@@ -15176,14 +15176,14 @@
           <a:lstStyle/>
           <a:p>
             <a:r>
-              <a:rPr lang="en-US" altLang="zh-CN" sz="2800"/>
+              <a:rPr lang="en-US" altLang="zh-CN" sz="2800" dirty="0"/>
               <a:t>BASE</a:t>
             </a:r>
             <a:r>
-              <a:rPr lang="zh-CN" altLang="en-US" sz="1400"/>
+              <a:rPr lang="zh-CN" altLang="en-US" sz="1400" dirty="0"/>
               <a:t>注重可用性</a:t>
             </a:r>
-            <a:endParaRPr lang="zh-CN" altLang="en-US" sz="2800"/>
+            <a:endParaRPr lang="zh-CN" altLang="en-US" sz="2800" dirty="0"/>
           </a:p>
         </p:txBody>
       </p:sp>
@@ -15215,7 +15215,7 @@
           <a:lstStyle/>
           <a:p>
             <a:r>
-              <a:rPr lang="zh-CN" altLang="en-US">
+              <a:rPr lang="zh-CN" altLang="en-US" dirty="0">
                 <a:solidFill>
                   <a:srgbClr val="333333"/>
                 </a:solidFill>
@@ -15224,7 +15224,7 @@
               <a:t>基本可用</a:t>
             </a:r>
             <a:r>
-              <a:rPr lang="en-US" altLang="zh-CN">
+              <a:rPr lang="en-US" altLang="zh-CN" dirty="0">
                 <a:solidFill>
                   <a:srgbClr val="333333"/>
                 </a:solidFill>
@@ -15233,11 +15233,11 @@
               <a:t>(</a:t>
             </a:r>
             <a:r>
-              <a:rPr lang="en-US" altLang="zh-CN"/>
+              <a:rPr lang="en-US" altLang="zh-CN" dirty="0"/>
               <a:t>Basically Available</a:t>
             </a:r>
             <a:r>
-              <a:rPr lang="en-US" altLang="zh-CN">
+              <a:rPr lang="en-US" altLang="zh-CN" dirty="0">
                 <a:solidFill>
                   <a:srgbClr val="333333"/>
                 </a:solidFill>
@@ -15245,7 +15245,7 @@
               </a:rPr>
               <a:t>)</a:t>
             </a:r>
-            <a:endParaRPr lang="zh-CN" altLang="en-US"/>
+            <a:endParaRPr lang="zh-CN" altLang="en-US" dirty="0"/>
           </a:p>
         </p:txBody>
       </p:sp>
@@ -15277,7 +15277,7 @@
           <a:lstStyle/>
           <a:p>
             <a:r>
-              <a:rPr lang="zh-CN" altLang="en-US">
+              <a:rPr lang="zh-CN" altLang="en-US" dirty="0">
                 <a:solidFill>
                   <a:srgbClr val="333333"/>
                 </a:solidFill>
@@ -15286,7 +15286,7 @@
               <a:t>软状态</a:t>
             </a:r>
             <a:r>
-              <a:rPr lang="en-US" altLang="zh-CN">
+              <a:rPr lang="en-US" altLang="zh-CN" dirty="0">
                 <a:solidFill>
                   <a:srgbClr val="333333"/>
                 </a:solidFill>
@@ -15294,7 +15294,7 @@
               </a:rPr>
               <a:t>(Soft state)</a:t>
             </a:r>
-            <a:endParaRPr lang="zh-CN" altLang="en-US"/>
+            <a:endParaRPr lang="zh-CN" altLang="en-US" dirty="0"/>
           </a:p>
         </p:txBody>
       </p:sp>
@@ -15326,7 +15326,7 @@
           <a:lstStyle/>
           <a:p>
             <a:r>
-              <a:rPr lang="zh-CN" altLang="en-US">
+              <a:rPr lang="zh-CN" altLang="en-US" dirty="0">
                 <a:solidFill>
                   <a:srgbClr val="333333"/>
                 </a:solidFill>
@@ -15335,7 +15335,7 @@
               <a:t>最终一致性</a:t>
             </a:r>
             <a:r>
-              <a:rPr lang="en-US" altLang="zh-CN">
+              <a:rPr lang="en-US" altLang="zh-CN" dirty="0">
                 <a:solidFill>
                   <a:srgbClr val="333333"/>
                 </a:solidFill>
@@ -15343,7 +15343,7 @@
               </a:rPr>
               <a:t>(Eventually consistent)</a:t>
             </a:r>
-            <a:endParaRPr lang="zh-CN" altLang="en-US"/>
+            <a:endParaRPr lang="zh-CN" altLang="en-US" dirty="0"/>
           </a:p>
         </p:txBody>
       </p:sp>
@@ -15529,20 +15529,20 @@
           <a:lstStyle/>
           <a:p>
             <a:r>
-              <a:rPr lang="en-US" altLang="zh-CN" sz="1200"/>
+              <a:rPr lang="en-US" altLang="zh-CN" sz="1200" dirty="0"/>
               <a:t>Eventual consistency is a consistency model used in distributed computing to achieve high availability that informally guarantees that, if no new updates are made to a given data item, eventually all accesses to that item will return the last updated value. Eventual consistency, also called optimistic replication, is widely deployed in distributed systems, and has origins in early mobile computing projects. A system that has achieved eventual consistency is often said to have converged, or achieved replica convergence. Eventual consistency is a weak guarantee – most stronger models, like linearizability are trivially eventually consistent, but a system that is merely eventually consistent does not usually fulfill these stronger constraints.</a:t>
             </a:r>
           </a:p>
           <a:p>
             <a:r>
-              <a:rPr lang="en-US" altLang="zh-CN" sz="1200">
+              <a:rPr lang="en-US" altLang="zh-CN" sz="1200" dirty="0">
                 <a:solidFill>
                   <a:srgbClr val="FF0000"/>
                 </a:solidFill>
               </a:rPr>
               <a:t>Eventual consistency is purely a liveness guarantee (reads eventually return the same value) and does not make safety guarantees: an eventually consistent system can return any value before it converges.</a:t>
             </a:r>
-            <a:endParaRPr lang="zh-CN" altLang="en-US" sz="1200">
+            <a:endParaRPr lang="zh-CN" altLang="en-US" sz="1200" dirty="0">
               <a:solidFill>
                 <a:srgbClr val="FF0000"/>
               </a:solidFill>
@@ -15701,7 +15701,7 @@
           <a:lstStyle/>
           <a:p>
             <a:r>
-              <a:rPr lang="en-US" altLang="zh-CN" sz="2800"/>
+              <a:rPr lang="en-US" altLang="zh-CN" sz="2800" dirty="0"/>
               <a:t>2PC</a:t>
             </a:r>
             <a:endParaRPr lang="zh-CN" altLang="en-US" sz="2800" dirty="0"/>
